--- a/phase2/ipc-phase2-T07-G3-FEUPeca-presentation.pptx
+++ b/phase2/ipc-phase2-T07-G3-FEUPeca-presentation.pptx
@@ -198,7 +198,7 @@
           <a:p>
             <a:fld id="{2E0A42B3-627C-4A92-AE5E-E104681B0535}" type="datetimeFigureOut">
               <a:rPr lang="pt-PT" smtClean="0"/>
-              <a:t>12/11/2022</a:t>
+              <a:t>26/11/2022</a:t>
             </a:fld>
             <a:endParaRPr lang="pt-PT"/>
           </a:p>
@@ -356,7 +356,7 @@
           <a:p>
             <a:fld id="{D8F9B114-B55C-468D-AA27-2CA819EC735C}" type="slidenum">
               <a:rPr lang="pt-PT" smtClean="0"/>
-              <a:t>‹nº›</a:t>
+              <a:t>‹#›</a:t>
             </a:fld>
             <a:endParaRPr lang="pt-PT"/>
           </a:p>
@@ -787,7 +787,7 @@
           <a:p>
             <a:fld id="{38A22FD5-41BF-4AC3-9B45-C9EE195255B8}" type="datetimeFigureOut">
               <a:rPr lang="pt-PT" smtClean="0"/>
-              <a:t>12/11/2022</a:t>
+              <a:t>26/11/2022</a:t>
             </a:fld>
             <a:endParaRPr lang="pt-PT"/>
           </a:p>
@@ -841,7 +841,7 @@
           <a:p>
             <a:fld id="{21803B26-5A26-40B2-8FB4-FC07A3B41EE7}" type="slidenum">
               <a:rPr lang="pt-PT" smtClean="0"/>
-              <a:t>‹nº›</a:t>
+              <a:t>‹#›</a:t>
             </a:fld>
             <a:endParaRPr lang="pt-PT"/>
           </a:p>
@@ -985,7 +985,7 @@
           <a:p>
             <a:fld id="{38A22FD5-41BF-4AC3-9B45-C9EE195255B8}" type="datetimeFigureOut">
               <a:rPr lang="pt-PT" smtClean="0"/>
-              <a:t>12/11/2022</a:t>
+              <a:t>26/11/2022</a:t>
             </a:fld>
             <a:endParaRPr lang="pt-PT"/>
           </a:p>
@@ -1039,7 +1039,7 @@
           <a:p>
             <a:fld id="{21803B26-5A26-40B2-8FB4-FC07A3B41EE7}" type="slidenum">
               <a:rPr lang="pt-PT" smtClean="0"/>
-              <a:t>‹nº›</a:t>
+              <a:t>‹#›</a:t>
             </a:fld>
             <a:endParaRPr lang="pt-PT"/>
           </a:p>
@@ -1193,7 +1193,7 @@
           <a:p>
             <a:fld id="{38A22FD5-41BF-4AC3-9B45-C9EE195255B8}" type="datetimeFigureOut">
               <a:rPr lang="pt-PT" smtClean="0"/>
-              <a:t>12/11/2022</a:t>
+              <a:t>26/11/2022</a:t>
             </a:fld>
             <a:endParaRPr lang="pt-PT"/>
           </a:p>
@@ -1247,7 +1247,7 @@
           <a:p>
             <a:fld id="{21803B26-5A26-40B2-8FB4-FC07A3B41EE7}" type="slidenum">
               <a:rPr lang="pt-PT" smtClean="0"/>
-              <a:t>‹nº›</a:t>
+              <a:t>‹#›</a:t>
             </a:fld>
             <a:endParaRPr lang="pt-PT"/>
           </a:p>
@@ -1391,7 +1391,7 @@
           <a:p>
             <a:fld id="{38A22FD5-41BF-4AC3-9B45-C9EE195255B8}" type="datetimeFigureOut">
               <a:rPr lang="pt-PT" smtClean="0"/>
-              <a:t>12/11/2022</a:t>
+              <a:t>26/11/2022</a:t>
             </a:fld>
             <a:endParaRPr lang="pt-PT"/>
           </a:p>
@@ -1445,7 +1445,7 @@
           <a:p>
             <a:fld id="{21803B26-5A26-40B2-8FB4-FC07A3B41EE7}" type="slidenum">
               <a:rPr lang="pt-PT" smtClean="0"/>
-              <a:t>‹nº›</a:t>
+              <a:t>‹#›</a:t>
             </a:fld>
             <a:endParaRPr lang="pt-PT"/>
           </a:p>
@@ -1666,7 +1666,7 @@
           <a:p>
             <a:fld id="{38A22FD5-41BF-4AC3-9B45-C9EE195255B8}" type="datetimeFigureOut">
               <a:rPr lang="pt-PT" smtClean="0"/>
-              <a:t>12/11/2022</a:t>
+              <a:t>26/11/2022</a:t>
             </a:fld>
             <a:endParaRPr lang="pt-PT"/>
           </a:p>
@@ -1720,7 +1720,7 @@
           <a:p>
             <a:fld id="{21803B26-5A26-40B2-8FB4-FC07A3B41EE7}" type="slidenum">
               <a:rPr lang="pt-PT" smtClean="0"/>
-              <a:t>‹nº›</a:t>
+              <a:t>‹#›</a:t>
             </a:fld>
             <a:endParaRPr lang="pt-PT"/>
           </a:p>
@@ -1931,7 +1931,7 @@
           <a:p>
             <a:fld id="{38A22FD5-41BF-4AC3-9B45-C9EE195255B8}" type="datetimeFigureOut">
               <a:rPr lang="pt-PT" smtClean="0"/>
-              <a:t>12/11/2022</a:t>
+              <a:t>26/11/2022</a:t>
             </a:fld>
             <a:endParaRPr lang="pt-PT"/>
           </a:p>
@@ -1985,7 +1985,7 @@
           <a:p>
             <a:fld id="{21803B26-5A26-40B2-8FB4-FC07A3B41EE7}" type="slidenum">
               <a:rPr lang="pt-PT" smtClean="0"/>
-              <a:t>‹nº›</a:t>
+              <a:t>‹#›</a:t>
             </a:fld>
             <a:endParaRPr lang="pt-PT"/>
           </a:p>
@@ -2343,7 +2343,7 @@
           <a:p>
             <a:fld id="{38A22FD5-41BF-4AC3-9B45-C9EE195255B8}" type="datetimeFigureOut">
               <a:rPr lang="pt-PT" smtClean="0"/>
-              <a:t>12/11/2022</a:t>
+              <a:t>26/11/2022</a:t>
             </a:fld>
             <a:endParaRPr lang="pt-PT"/>
           </a:p>
@@ -2397,7 +2397,7 @@
           <a:p>
             <a:fld id="{21803B26-5A26-40B2-8FB4-FC07A3B41EE7}" type="slidenum">
               <a:rPr lang="pt-PT" smtClean="0"/>
-              <a:t>‹nº›</a:t>
+              <a:t>‹#›</a:t>
             </a:fld>
             <a:endParaRPr lang="pt-PT"/>
           </a:p>
@@ -2484,7 +2484,7 @@
           <a:p>
             <a:fld id="{38A22FD5-41BF-4AC3-9B45-C9EE195255B8}" type="datetimeFigureOut">
               <a:rPr lang="pt-PT" smtClean="0"/>
-              <a:t>12/11/2022</a:t>
+              <a:t>26/11/2022</a:t>
             </a:fld>
             <a:endParaRPr lang="pt-PT"/>
           </a:p>
@@ -2538,7 +2538,7 @@
           <a:p>
             <a:fld id="{21803B26-5A26-40B2-8FB4-FC07A3B41EE7}" type="slidenum">
               <a:rPr lang="pt-PT" smtClean="0"/>
-              <a:t>‹nº›</a:t>
+              <a:t>‹#›</a:t>
             </a:fld>
             <a:endParaRPr lang="pt-PT"/>
           </a:p>
@@ -2597,7 +2597,7 @@
           <a:p>
             <a:fld id="{38A22FD5-41BF-4AC3-9B45-C9EE195255B8}" type="datetimeFigureOut">
               <a:rPr lang="pt-PT" smtClean="0"/>
-              <a:t>12/11/2022</a:t>
+              <a:t>26/11/2022</a:t>
             </a:fld>
             <a:endParaRPr lang="pt-PT"/>
           </a:p>
@@ -2651,7 +2651,7 @@
           <a:p>
             <a:fld id="{21803B26-5A26-40B2-8FB4-FC07A3B41EE7}" type="slidenum">
               <a:rPr lang="pt-PT" smtClean="0"/>
-              <a:t>‹nº›</a:t>
+              <a:t>‹#›</a:t>
             </a:fld>
             <a:endParaRPr lang="pt-PT"/>
           </a:p>
@@ -2908,7 +2908,7 @@
           <a:p>
             <a:fld id="{38A22FD5-41BF-4AC3-9B45-C9EE195255B8}" type="datetimeFigureOut">
               <a:rPr lang="pt-PT" smtClean="0"/>
-              <a:t>12/11/2022</a:t>
+              <a:t>26/11/2022</a:t>
             </a:fld>
             <a:endParaRPr lang="pt-PT"/>
           </a:p>
@@ -2962,7 +2962,7 @@
           <a:p>
             <a:fld id="{21803B26-5A26-40B2-8FB4-FC07A3B41EE7}" type="slidenum">
               <a:rPr lang="pt-PT" smtClean="0"/>
-              <a:t>‹nº›</a:t>
+              <a:t>‹#›</a:t>
             </a:fld>
             <a:endParaRPr lang="pt-PT"/>
           </a:p>
@@ -3196,7 +3196,7 @@
           <a:p>
             <a:fld id="{38A22FD5-41BF-4AC3-9B45-C9EE195255B8}" type="datetimeFigureOut">
               <a:rPr lang="pt-PT" smtClean="0"/>
-              <a:t>12/11/2022</a:t>
+              <a:t>26/11/2022</a:t>
             </a:fld>
             <a:endParaRPr lang="pt-PT"/>
           </a:p>
@@ -3250,7 +3250,7 @@
           <a:p>
             <a:fld id="{21803B26-5A26-40B2-8FB4-FC07A3B41EE7}" type="slidenum">
               <a:rPr lang="pt-PT" smtClean="0"/>
-              <a:t>‹nº›</a:t>
+              <a:t>‹#›</a:t>
             </a:fld>
             <a:endParaRPr lang="pt-PT"/>
           </a:p>
@@ -3437,7 +3437,7 @@
           <a:p>
             <a:fld id="{38A22FD5-41BF-4AC3-9B45-C9EE195255B8}" type="datetimeFigureOut">
               <a:rPr lang="pt-PT" smtClean="0"/>
-              <a:t>12/11/2022</a:t>
+              <a:t>26/11/2022</a:t>
             </a:fld>
             <a:endParaRPr lang="pt-PT"/>
           </a:p>
@@ -3527,7 +3527,7 @@
           <a:p>
             <a:fld id="{21803B26-5A26-40B2-8FB4-FC07A3B41EE7}" type="slidenum">
               <a:rPr lang="pt-PT" smtClean="0"/>
-              <a:t>‹nº›</a:t>
+              <a:t>‹#›</a:t>
             </a:fld>
             <a:endParaRPr lang="pt-PT"/>
           </a:p>
@@ -5546,14 +5546,6 @@
   <p:clrMapOvr>
     <a:masterClrMapping/>
   </p:clrMapOvr>
-  <mc:AlternateContent xmlns:mc="http://schemas.openxmlformats.org/markup-compatibility/2006" xmlns:p14="http://schemas.microsoft.com/office/powerpoint/2010/main">
-    <mc:Choice Requires="p14">
-      <p:transition spd="slow" p14:dur="2000" advTm="15811"/>
-    </mc:Choice>
-    <mc:Fallback xmlns="">
-      <p:transition spd="slow" advTm="15811"/>
-    </mc:Fallback>
-  </mc:AlternateContent>
 </p:sld>
 </file>
 
@@ -5699,951 +5691,6 @@
   <p:clrMapOvr>
     <a:masterClrMapping/>
   </p:clrMapOvr>
-  <mc:AlternateContent xmlns:mc="http://schemas.openxmlformats.org/markup-compatibility/2006" xmlns:p14="http://schemas.microsoft.com/office/powerpoint/2010/main">
-    <mc:Choice Requires="p14">
-      <p:transition spd="slow" p14:dur="2000" advTm="66602"/>
-    </mc:Choice>
-    <mc:Fallback xmlns="">
-      <p:transition spd="slow" advTm="66602"/>
-    </mc:Fallback>
-  </mc:AlternateContent>
-  <p:extLst>
-    <p:ext uri="{3A86A75C-4F4B-4683-9AE1-C65F6400EC91}">
-      <p14:laserTraceLst xmlns:p14="http://schemas.microsoft.com/office/powerpoint/2010/main">
-        <p14:tracePtLst>
-          <p14:tracePt t="6720" x="5837238" y="5091113"/>
-          <p14:tracePt t="6723" x="5837238" y="5073650"/>
-          <p14:tracePt t="6733" x="5837238" y="5056188"/>
-          <p14:tracePt t="6740" x="5837238" y="5030788"/>
-          <p14:tracePt t="6749" x="5837238" y="4997450"/>
-          <p14:tracePt t="6753" x="5837238" y="4979988"/>
-          <p14:tracePt t="6763" x="5837238" y="4962525"/>
-          <p14:tracePt t="6770" x="5837238" y="4937125"/>
-          <p14:tracePt t="6780" x="5837238" y="4929188"/>
-          <p14:tracePt t="6783" x="5837238" y="4903788"/>
-          <p14:tracePt t="6796" x="5837238" y="4878388"/>
-          <p14:tracePt t="6800" x="5837238" y="4860925"/>
-          <p14:tracePt t="6810" x="5827713" y="4835525"/>
-          <p14:tracePt t="6816" x="5827713" y="4810125"/>
-          <p14:tracePt t="6826" x="5827713" y="4792663"/>
-          <p14:tracePt t="6830" x="5827713" y="4767263"/>
-          <p14:tracePt t="6840" x="5827713" y="4749800"/>
-          <p14:tracePt t="6846" x="5827713" y="4741863"/>
-          <p14:tracePt t="6856" x="5819775" y="4724400"/>
-          <p14:tracePt t="6860" x="5819775" y="4708525"/>
-          <p14:tracePt t="6870" x="5811838" y="4699000"/>
-          <p14:tracePt t="6876" x="5802313" y="4673600"/>
-          <p14:tracePt t="6886" x="5794375" y="4648200"/>
-          <p14:tracePt t="6891" x="5786438" y="4605338"/>
-          <p14:tracePt t="6901" x="5761038" y="4546600"/>
-          <p14:tracePt t="6908" x="5743575" y="4486275"/>
-          <p14:tracePt t="6916" x="5692775" y="4316413"/>
-          <p14:tracePt t="6926" x="5649913" y="4224338"/>
-          <p14:tracePt t="6933" x="5599113" y="4121150"/>
-          <p14:tracePt t="6941" x="5530850" y="4019550"/>
-          <p14:tracePt t="6946" x="5446713" y="3908425"/>
-          <p14:tracePt t="6956" x="5360988" y="3790950"/>
-          <p14:tracePt t="6963" x="5249863" y="3662363"/>
-          <p14:tracePt t="6971" x="5122863" y="3509963"/>
-          <p14:tracePt t="6982" x="5003800" y="3382963"/>
-          <p14:tracePt t="6986" x="4894263" y="3246438"/>
-          <p14:tracePt t="6999" x="4791075" y="3144838"/>
-          <p14:tracePt t="7001" x="4714875" y="3033713"/>
-          <p14:tracePt t="7013" x="4638675" y="2940050"/>
-          <p14:tracePt t="7017" x="4587875" y="2863850"/>
-          <p14:tracePt t="7029" x="4519613" y="2787650"/>
-          <p14:tracePt t="7034" x="4476750" y="2736850"/>
-          <p14:tracePt t="7041" x="4451350" y="2686050"/>
-          <p14:tracePt t="7047" x="4410075" y="2633663"/>
-          <p14:tracePt t="7058" x="4367213" y="2582863"/>
-          <p14:tracePt t="7063" x="4332288" y="2549525"/>
-          <p14:tracePt t="7071" x="4291013" y="2498725"/>
-          <p14:tracePt t="7079" x="4230688" y="2430463"/>
-          <p14:tracePt t="7088" x="4154488" y="2354263"/>
-          <p14:tracePt t="7091" x="4060825" y="2268538"/>
-          <p14:tracePt t="7101" x="3916363" y="2166938"/>
-          <p14:tracePt t="7108" x="3746500" y="2047875"/>
-          <p14:tracePt t="7118" x="3602038" y="1954213"/>
-          <p14:tracePt t="7121" x="3482975" y="1895475"/>
-          <p14:tracePt t="7133" x="3406775" y="1852613"/>
-          <p14:tracePt t="7138" x="3348038" y="1827213"/>
-          <p14:tracePt t="7173" x="3338513" y="1827213"/>
-          <p14:tracePt t="7184" x="3313113" y="1844675"/>
-          <p14:tracePt t="7187" x="3305175" y="1870075"/>
-          <p14:tracePt t="7198" x="3279775" y="1885950"/>
-          <p14:tracePt t="7208" x="3236913" y="1920875"/>
-          <p14:tracePt t="7213" x="3186113" y="1946275"/>
-          <p14:tracePt t="7223" x="3135313" y="1989138"/>
-          <p14:tracePt t="7229" x="3074988" y="2030413"/>
-          <p14:tracePt t="7238" x="3008313" y="2073275"/>
-          <p14:tracePt t="7243" x="2930525" y="2116138"/>
-          <p14:tracePt t="7253" x="2846388" y="2149475"/>
-          <p14:tracePt t="7260" x="2770188" y="2174875"/>
-          <p14:tracePt t="7270" x="2693988" y="2209800"/>
-          <p14:tracePt t="7274" x="2616200" y="2227263"/>
-          <p14:tracePt t="7283" x="2540000" y="2260600"/>
-          <p14:tracePt t="7290" x="2481263" y="2293938"/>
-          <p14:tracePt t="7300" x="2420938" y="2319338"/>
-          <p14:tracePt t="7303" x="2336800" y="2379663"/>
-          <p14:tracePt t="7313" x="2276475" y="2455863"/>
-          <p14:tracePt t="7320" x="2200275" y="2549525"/>
-          <p14:tracePt t="7330" x="1997075" y="2744788"/>
-          <p14:tracePt t="7340" x="1903413" y="2830513"/>
-          <p14:tracePt t="7346" x="1817688" y="2922588"/>
-          <p14:tracePt t="7356" x="1724025" y="3016250"/>
-          <p14:tracePt t="7360" x="1639888" y="3101975"/>
-          <p14:tracePt t="7370" x="1554163" y="3186113"/>
-          <p14:tracePt t="7376" x="1452563" y="3297238"/>
-          <p14:tracePt t="7386" x="1358900" y="3390900"/>
-          <p14:tracePt t="7390" x="1282700" y="3492500"/>
-          <p14:tracePt t="7400" x="1198563" y="3611563"/>
-          <p14:tracePt t="7406" x="1112838" y="3705225"/>
-          <p14:tracePt t="7416" x="1054100" y="3824288"/>
-          <p14:tracePt t="7420" x="993775" y="3925888"/>
-          <p14:tracePt t="7430" x="960438" y="4044950"/>
-          <p14:tracePt t="7436" x="942975" y="4164013"/>
-          <p14:tracePt t="7446" x="917575" y="4275138"/>
-          <p14:tracePt t="7451" x="909638" y="4376738"/>
-          <p14:tracePt t="7460" x="892175" y="4478338"/>
-          <p14:tracePt t="7466" x="884238" y="4579938"/>
-          <p14:tracePt t="7476" x="884238" y="4665663"/>
-          <p14:tracePt t="7480" x="874713" y="4749800"/>
-          <p14:tracePt t="7491" x="874713" y="4835525"/>
-          <p14:tracePt t="7496" x="884238" y="4919663"/>
-          <p14:tracePt t="7506" x="909638" y="5005388"/>
-          <p14:tracePt t="7513" x="942975" y="5099050"/>
-          <p14:tracePt t="7521" x="985838" y="5175250"/>
-          <p14:tracePt t="7532" x="1044575" y="5251450"/>
-          <p14:tracePt t="7536" x="1104900" y="5319713"/>
-          <p14:tracePt t="7541" x="1173163" y="5370513"/>
-          <p14:tracePt t="7551" x="1223963" y="5430838"/>
-          <p14:tracePt t="7563" x="1290638" y="5472113"/>
-          <p14:tracePt t="7566" x="1350963" y="5514975"/>
-          <p14:tracePt t="7576" x="1419225" y="5540375"/>
-          <p14:tracePt t="7583" x="1487488" y="5575300"/>
-          <p14:tracePt t="7591" x="1563688" y="5608638"/>
-          <p14:tracePt t="7599" x="1657350" y="5651500"/>
-          <p14:tracePt t="7608" x="1776413" y="5684838"/>
-          <p14:tracePt t="7613" x="1903413" y="5719763"/>
-          <p14:tracePt t="7621" x="2047875" y="5761038"/>
-          <p14:tracePt t="7629" x="2208213" y="5795963"/>
-          <p14:tracePt t="7638" x="2352675" y="5821363"/>
-          <p14:tracePt t="7641" x="2514600" y="5846763"/>
-          <p14:tracePt t="7651" x="2668588" y="5854700"/>
-          <p14:tracePt t="7658" x="2820988" y="5872163"/>
-          <p14:tracePt t="7667" x="2965450" y="5872163"/>
-          <p14:tracePt t="7671" x="3117850" y="5872163"/>
-          <p14:tracePt t="7683" x="3270250" y="5872163"/>
-          <p14:tracePt t="7688" x="3424238" y="5872163"/>
-          <p14:tracePt t="7697" x="3576638" y="5864225"/>
-          <p14:tracePt t="7701" x="3721100" y="5854700"/>
-          <p14:tracePt t="7713" x="3840163" y="5829300"/>
-          <p14:tracePt t="7717" x="3967163" y="5795963"/>
-          <p14:tracePt t="7730" x="4070350" y="5761038"/>
-          <p14:tracePt t="7733" x="4129088" y="5745163"/>
-          <p14:tracePt t="7744" x="4179888" y="5727700"/>
-          <p14:tracePt t="7748" x="4205288" y="5694363"/>
-          <p14:tracePt t="7758" x="4240213" y="5659438"/>
-          <p14:tracePt t="7763" x="4306888" y="5616575"/>
-          <p14:tracePt t="7773" x="4384675" y="5565775"/>
-          <p14:tracePt t="7779" x="4468813" y="5532438"/>
-          <p14:tracePt t="7788" x="4562475" y="5489575"/>
-          <p14:tracePt t="7794" x="4638675" y="5446713"/>
-          <p14:tracePt t="7803" x="4732338" y="5413375"/>
-          <p14:tracePt t="7808" x="4808538" y="5353050"/>
-          <p14:tracePt t="7817" x="4884738" y="5302250"/>
-          <p14:tracePt t="7823" x="4962525" y="5243513"/>
-          <p14:tracePt t="7833" x="5029200" y="5167313"/>
-          <p14:tracePt t="7840" x="5072063" y="5091113"/>
-          <p14:tracePt t="7849" x="5106988" y="4987925"/>
-          <p14:tracePt t="7853" x="5140325" y="4886325"/>
-          <p14:tracePt t="7863" x="5165725" y="4784725"/>
-          <p14:tracePt t="7870" x="5191125" y="4665663"/>
-          <p14:tracePt t="7880" x="5199063" y="4529138"/>
-          <p14:tracePt t="7883" x="5199063" y="4376738"/>
-          <p14:tracePt t="7893" x="5199063" y="4214813"/>
-          <p14:tracePt t="7899" x="5199063" y="4105275"/>
-          <p14:tracePt t="7903" x="5199063" y="3968750"/>
-          <p14:tracePt t="7910" x="5183188" y="3824288"/>
-          <p14:tracePt t="7920" x="5165725" y="3679825"/>
-          <p14:tracePt t="7926" x="5140325" y="3560763"/>
-          <p14:tracePt t="7936" x="5132388" y="3467100"/>
-          <p14:tracePt t="7940" x="5114925" y="3390900"/>
-          <p14:tracePt t="7951" x="5114925" y="3330575"/>
-          <p14:tracePt t="7956" x="5106988" y="3289300"/>
-          <p14:tracePt t="7966" x="5106988" y="3246438"/>
-          <p14:tracePt t="7971" x="5097463" y="3195638"/>
-          <p14:tracePt t="7982" x="5089525" y="3160713"/>
-          <p14:tracePt t="7985" x="5089525" y="3119438"/>
-          <p14:tracePt t="7996" x="5072063" y="3076575"/>
-          <p14:tracePt t="8001" x="5072063" y="3041650"/>
-          <p14:tracePt t="8013" x="5064125" y="3016250"/>
-          <p14:tracePt t="8015" x="5054600" y="2982913"/>
-          <p14:tracePt t="8021" x="5021263" y="2922588"/>
-          <p14:tracePt t="8032" x="4987925" y="2871788"/>
-          <p14:tracePt t="8036" x="4945063" y="2805113"/>
-          <p14:tracePt t="8046" x="4884738" y="2727325"/>
-          <p14:tracePt t="8056" x="4833938" y="2668588"/>
-          <p14:tracePt t="8063" x="4749800" y="2574925"/>
-          <p14:tracePt t="8067" x="4689475" y="2489200"/>
-          <p14:tracePt t="8079" x="4656138" y="2455863"/>
-          <p14:tracePt t="8088" x="4613275" y="2413000"/>
-          <p14:tracePt t="8101" x="4605338" y="2405063"/>
-          <p14:tracePt t="10683" x="4613275" y="2413000"/>
-          <p14:tracePt t="10694" x="4613275" y="2430463"/>
-          <p14:tracePt t="10700" x="4630738" y="2447925"/>
-          <p14:tracePt t="10704" x="4646613" y="2455863"/>
-          <p14:tracePt t="10715" x="4656138" y="2463800"/>
-          <p14:tracePt t="10730" x="4664075" y="2463800"/>
-          <p14:tracePt t="10746" x="4673600" y="2463800"/>
-          <p14:tracePt t="10779" x="4681538" y="2463800"/>
-          <p14:tracePt t="10826" x="4689475" y="2463800"/>
-          <p14:tracePt t="10836" x="4699000" y="2463800"/>
-          <p14:tracePt t="10841" x="4714875" y="2463800"/>
-          <p14:tracePt t="10851" x="4732338" y="2463800"/>
-          <p14:tracePt t="10856" x="4740275" y="2463800"/>
-          <p14:tracePt t="10866" x="4757738" y="2463800"/>
-          <p14:tracePt t="10871" x="4765675" y="2463800"/>
-          <p14:tracePt t="10881" x="4775200" y="2463800"/>
-          <p14:tracePt t="10885" x="4791075" y="2463800"/>
-          <p14:tracePt t="10901" x="4808538" y="2463800"/>
-          <p14:tracePt t="10913" x="4833938" y="2463800"/>
-          <p14:tracePt t="10916" x="4843463" y="2463800"/>
-          <p14:tracePt t="10926" x="4876800" y="2463800"/>
-          <p14:tracePt t="10936" x="4902200" y="2463800"/>
-          <p14:tracePt t="10941" x="4919663" y="2473325"/>
-          <p14:tracePt t="10951" x="4945063" y="2473325"/>
-          <p14:tracePt t="10958" x="4970463" y="2473325"/>
-          <p14:tracePt t="10968" x="4978400" y="2473325"/>
-          <p14:tracePt t="10971" x="4995863" y="2473325"/>
-          <p14:tracePt t="10982" x="5013325" y="2473325"/>
-          <p14:tracePt t="10997" x="5029200" y="2473325"/>
-          <p14:tracePt t="11006" x="5046663" y="2481263"/>
-          <p14:tracePt t="11016" x="5080000" y="2489200"/>
-          <p14:tracePt t="11026" x="5089525" y="2498725"/>
-          <p14:tracePt t="11032" x="5114925" y="2506663"/>
-          <p14:tracePt t="11041" x="5140325" y="2516188"/>
-          <p14:tracePt t="11046" x="5148263" y="2516188"/>
-          <p14:tracePt t="11058" x="5157788" y="2516188"/>
-          <p14:tracePt t="11064" x="5173663" y="2516188"/>
-          <p14:tracePt t="11188" x="5183188" y="2516188"/>
-          <p14:tracePt t="11194" x="5191125" y="2516188"/>
-          <p14:tracePt t="11376" x="5199063" y="2516188"/>
-          <p14:tracePt t="11386" x="5216525" y="2516188"/>
-          <p14:tracePt t="11406" x="5224463" y="2516188"/>
-          <p14:tracePt t="11430" x="5233988" y="2516188"/>
-          <p14:tracePt t="11436" x="5233988" y="2506663"/>
-          <p14:tracePt t="11450" x="5241925" y="2506663"/>
-          <p14:tracePt t="11476" x="5249863" y="2506663"/>
-          <p14:tracePt t="14355" x="5259388" y="2506663"/>
-          <p14:tracePt t="14365" x="5276850" y="2516188"/>
-          <p14:tracePt t="15950" x="5276850" y="2524125"/>
-          <p14:tracePt t="15954" x="5276850" y="2532063"/>
-          <p14:tracePt t="15959" x="5259388" y="2549525"/>
-          <p14:tracePt t="15964" x="5233988" y="2574925"/>
-          <p14:tracePt t="15973" x="5208588" y="2625725"/>
-          <p14:tracePt t="15984" x="5165725" y="2676525"/>
-          <p14:tracePt t="15989" x="5106988" y="2744788"/>
-          <p14:tracePt t="16000" x="5054600" y="2805113"/>
-          <p14:tracePt t="16006" x="5013325" y="2871788"/>
-          <p14:tracePt t="16015" x="4970463" y="2949575"/>
-          <p14:tracePt t="16020" x="4935538" y="3025775"/>
-          <p14:tracePt t="16030" x="4902200" y="3084513"/>
-          <p14:tracePt t="16035" x="4884738" y="3160713"/>
-          <p14:tracePt t="16046" x="4851400" y="3238500"/>
-          <p14:tracePt t="16050" x="4818063" y="3322638"/>
-          <p14:tracePt t="16060" x="4783138" y="3416300"/>
-          <p14:tracePt t="16066" x="4765675" y="3492500"/>
-          <p14:tracePt t="16076" x="4732338" y="3594100"/>
-          <p14:tracePt t="16080" x="4706938" y="3697288"/>
-          <p14:tracePt t="16090" x="4681538" y="3798888"/>
-          <p14:tracePt t="16097" x="4664075" y="3900488"/>
-          <p14:tracePt t="16106" x="4646613" y="4011613"/>
-          <p14:tracePt t="16113" x="4638675" y="4113213"/>
-          <p14:tracePt t="16121" x="4630738" y="4224338"/>
-          <p14:tracePt t="16126" x="4630738" y="4341813"/>
-          <p14:tracePt t="16135" x="4613275" y="4435475"/>
-          <p14:tracePt t="16140" x="4613275" y="4521200"/>
-          <p14:tracePt t="16151" x="4613275" y="4597400"/>
-          <p14:tracePt t="16156" x="4613275" y="4657725"/>
-          <p14:tracePt t="16166" x="4613275" y="4683125"/>
-          <p14:tracePt t="16171" x="4613275" y="4699000"/>
-          <p14:tracePt t="16196" x="4613275" y="4716463"/>
-          <p14:tracePt t="16272" x="4613275" y="4724400"/>
-          <p14:tracePt t="16278" x="4613275" y="4741863"/>
-          <p14:tracePt t="16288" x="4613275" y="4767263"/>
-          <p14:tracePt t="16292" x="4613275" y="4784725"/>
-          <p14:tracePt t="16302" x="4605338" y="4802188"/>
-          <p14:tracePt t="16308" x="4595813" y="4818063"/>
-          <p14:tracePt t="16318" x="4587875" y="4835525"/>
-          <p14:tracePt t="16321" x="4587875" y="4843463"/>
-          <p14:tracePt t="16332" x="4579938" y="4843463"/>
-          <p14:tracePt t="16338" x="4570413" y="4860925"/>
-          <p14:tracePt t="16347" x="4570413" y="4868863"/>
-          <p14:tracePt t="16368" x="4562475" y="4868863"/>
-          <p14:tracePt t="16378" x="4562475" y="4878388"/>
-          <p14:tracePt t="16384" x="4554538" y="4878388"/>
-          <p14:tracePt t="16394" x="4545013" y="4886325"/>
-          <p14:tracePt t="16398" x="4537075" y="4886325"/>
-          <p14:tracePt t="16408" x="4519613" y="4894263"/>
-          <p14:tracePt t="16414" x="4503738" y="4894263"/>
-          <p14:tracePt t="16424" x="4468813" y="4894263"/>
-          <p14:tracePt t="16428" x="4435475" y="4903788"/>
-          <p14:tracePt t="16438" x="4392613" y="4919663"/>
-          <p14:tracePt t="16443" x="4341813" y="4937125"/>
-          <p14:tracePt t="16454" x="4281488" y="4946650"/>
-          <p14:tracePt t="16458" x="4214813" y="4954588"/>
-          <p14:tracePt t="16470" x="4154488" y="4954588"/>
-          <p14:tracePt t="16473" x="4095750" y="4954588"/>
-          <p14:tracePt t="16484" x="4035425" y="4954588"/>
-          <p14:tracePt t="16488" x="4002088" y="4954588"/>
-          <p14:tracePt t="16500" x="3984625" y="4954588"/>
-          <p14:tracePt t="16510" x="3951288" y="4946650"/>
-          <p14:tracePt t="16514" x="3925888" y="4937125"/>
-          <p14:tracePt t="16520" x="3883025" y="4929188"/>
-          <p14:tracePt t="16530" x="3848100" y="4929188"/>
-          <p14:tracePt t="16540" x="3806825" y="4919663"/>
-          <p14:tracePt t="16543" x="3763963" y="4911725"/>
-          <p14:tracePt t="16554" x="3713163" y="4903788"/>
-          <p14:tracePt t="16560" x="3670300" y="4894263"/>
-          <p14:tracePt t="16570" x="3619500" y="4886325"/>
-          <p14:tracePt t="16573" x="3576638" y="4868863"/>
-          <p14:tracePt t="16584" x="3543300" y="4868863"/>
-          <p14:tracePt t="16590" x="3508375" y="4868863"/>
-          <p14:tracePt t="16600" x="3482975" y="4868863"/>
-          <p14:tracePt t="16606" x="3449638" y="4868863"/>
-          <p14:tracePt t="16615" x="3414713" y="4868863"/>
-          <p14:tracePt t="16620" x="3389313" y="4868863"/>
-          <p14:tracePt t="16630" x="3373438" y="4868863"/>
-          <p14:tracePt t="16636" x="3355975" y="4868863"/>
-          <p14:tracePt t="16647" x="3348038" y="4868863"/>
-          <p14:tracePt t="16722" x="3338513" y="4868863"/>
-          <p14:tracePt t="16736" x="3330575" y="4868863"/>
-          <p14:tracePt t="16756" x="3322638" y="4868863"/>
-          <p14:tracePt t="16765" x="3305175" y="4868863"/>
-          <p14:tracePt t="16771" x="3287713" y="4868863"/>
-          <p14:tracePt t="16782" x="3262313" y="4868863"/>
-          <p14:tracePt t="16786" x="3236913" y="4868863"/>
-          <p14:tracePt t="16797" x="3211513" y="4868863"/>
-          <p14:tracePt t="16802" x="3168650" y="4868863"/>
-          <p14:tracePt t="16814" x="3135313" y="4868863"/>
-          <p14:tracePt t="16818" x="3092450" y="4868863"/>
-          <p14:tracePt t="16828" x="3059113" y="4868863"/>
-          <p14:tracePt t="16832" x="2998788" y="4878388"/>
-          <p14:tracePt t="16842" x="2955925" y="4878388"/>
-          <p14:tracePt t="16852" x="2871788" y="4886325"/>
-          <p14:tracePt t="16858" x="2786063" y="4894263"/>
-          <p14:tracePt t="16863" x="2684463" y="4894263"/>
-          <p14:tracePt t="16872" x="2574925" y="4894263"/>
-          <p14:tracePt t="16883" x="2463800" y="4894263"/>
-          <p14:tracePt t="16888" x="2344738" y="4894263"/>
-          <p14:tracePt t="16891" x="2260600" y="4894263"/>
-          <p14:tracePt t="16902" x="2174875" y="4894263"/>
-          <p14:tracePt t="16913" x="2090738" y="4894263"/>
-          <p14:tracePt t="16918" x="2005013" y="4894263"/>
-          <p14:tracePt t="16929" x="1936750" y="4894263"/>
-          <p14:tracePt t="16932" x="1860550" y="4894263"/>
-          <p14:tracePt t="16942" x="1809750" y="4894263"/>
-          <p14:tracePt t="16948" x="1758950" y="4894263"/>
-          <p14:tracePt t="16958" x="1733550" y="4894263"/>
-          <p14:tracePt t="16964" x="1698625" y="4894263"/>
-          <p14:tracePt t="16973" x="1673225" y="4894263"/>
-          <p14:tracePt t="16979" x="1647825" y="4886325"/>
-          <p14:tracePt t="16988" x="1639888" y="4886325"/>
-          <p14:tracePt t="16994" x="1614488" y="4886325"/>
-          <p14:tracePt t="17004" x="1579563" y="4886325"/>
-          <p14:tracePt t="17008" x="1554163" y="4886325"/>
-          <p14:tracePt t="17018" x="1528763" y="4886325"/>
-          <p14:tracePt t="17024" x="1495425" y="4886325"/>
-          <p14:tracePt t="17034" x="1462088" y="4894263"/>
-          <p14:tracePt t="17040" x="1435100" y="4894263"/>
-          <p14:tracePt t="17050" x="1409700" y="4894263"/>
-          <p14:tracePt t="17056" x="1393825" y="4894263"/>
-          <p14:tracePt t="17162" x="1409700" y="4894263"/>
-          <p14:tracePt t="17172" x="1444625" y="4894263"/>
-          <p14:tracePt t="17176" x="1470025" y="4894263"/>
-          <p14:tracePt t="17186" x="1503363" y="4894263"/>
-          <p14:tracePt t="17192" x="1546225" y="4894263"/>
-          <p14:tracePt t="17202" x="1606550" y="4894263"/>
-          <p14:tracePt t="17206" x="1639888" y="4894263"/>
-          <p14:tracePt t="17216" x="1682750" y="4886325"/>
-          <p14:tracePt t="17222" x="1698625" y="4886325"/>
-          <p14:tracePt t="17232" x="1741488" y="4886325"/>
-          <p14:tracePt t="17236" x="1817688" y="4886325"/>
-          <p14:tracePt t="17247" x="1911350" y="4886325"/>
-          <p14:tracePt t="17256" x="2038350" y="4894263"/>
-          <p14:tracePt t="17264" x="2200275" y="4903788"/>
-          <p14:tracePt t="17272" x="2352675" y="4919663"/>
-          <p14:tracePt t="17276" x="2532063" y="4946650"/>
-          <p14:tracePt t="17286" x="2693988" y="4972050"/>
-          <p14:tracePt t="17292" x="2863850" y="4987925"/>
-          <p14:tracePt t="17301" x="2998788" y="5005388"/>
-          <p14:tracePt t="17305" x="3127375" y="5005388"/>
-          <p14:tracePt t="17316" x="3254375" y="5005388"/>
-          <p14:tracePt t="17322" x="3355975" y="5013325"/>
-          <p14:tracePt t="17332" x="3457575" y="5030788"/>
-          <p14:tracePt t="17335" x="3525838" y="5030788"/>
-          <p14:tracePt t="17347" x="3568700" y="5038725"/>
-          <p14:tracePt t="17352" x="3602038" y="5038725"/>
-          <p14:tracePt t="17364" x="3619500" y="5038725"/>
-          <p14:tracePt t="17408" x="3636963" y="5038725"/>
-          <p14:tracePt t="17413" x="3652838" y="5038725"/>
-          <p14:tracePt t="17423" x="3662363" y="5038725"/>
-          <p14:tracePt t="17428" x="3687763" y="5038725"/>
-          <p14:tracePt t="17438" x="3703638" y="5038725"/>
-          <p14:tracePt t="17443" x="3721100" y="5038725"/>
-          <p14:tracePt t="17452" x="3738563" y="5038725"/>
-          <p14:tracePt t="17458" x="3763963" y="5038725"/>
-          <p14:tracePt t="17472" x="3781425" y="5038725"/>
-          <p14:tracePt t="17482" x="3781425" y="5030788"/>
-          <p14:tracePt t="17488" x="3789363" y="5030788"/>
-          <p14:tracePt t="17498" x="3797300" y="5022850"/>
-          <p14:tracePt t="33113" x="3806825" y="5022850"/>
-          <p14:tracePt t="33123" x="3814763" y="4997450"/>
-          <p14:tracePt t="33133" x="3832225" y="4962525"/>
-          <p14:tracePt t="33137" x="3840163" y="4937125"/>
-          <p14:tracePt t="33147" x="3848100" y="4919663"/>
-          <p14:tracePt t="33153" x="3857625" y="4911725"/>
-          <p14:tracePt t="33164" x="3857625" y="4903788"/>
-          <p14:tracePt t="33167" x="3857625" y="4886325"/>
-          <p14:tracePt t="33181" x="3857625" y="4860925"/>
-          <p14:tracePt t="33183" x="3840163" y="4810125"/>
-          <p14:tracePt t="33193" x="3814763" y="4784725"/>
-          <p14:tracePt t="33197" x="3771900" y="4749800"/>
-          <p14:tracePt t="33208" x="3738563" y="4716463"/>
-          <p14:tracePt t="33214" x="3687763" y="4665663"/>
-          <p14:tracePt t="33223" x="3611563" y="4614863"/>
-          <p14:tracePt t="33231" x="3517900" y="4538663"/>
-          <p14:tracePt t="33240" x="3406775" y="4445000"/>
-          <p14:tracePt t="33243" x="3330575" y="4394200"/>
-          <p14:tracePt t="33251" x="3254375" y="4351338"/>
-          <p14:tracePt t="33253" x="3178175" y="4291013"/>
-          <p14:tracePt t="33264" x="3109913" y="4224338"/>
-          <p14:tracePt t="33269" x="3041650" y="4146550"/>
-          <p14:tracePt t="33281" x="2965450" y="4079875"/>
-          <p14:tracePt t="33285" x="2879725" y="4011613"/>
-          <p14:tracePt t="33293" x="2795588" y="3951288"/>
-          <p14:tracePt t="33301" x="2701925" y="3900488"/>
-          <p14:tracePt t="33310" x="2651125" y="3857625"/>
-          <p14:tracePt t="33315" x="2616200" y="3824288"/>
-          <p14:tracePt t="33390" x="2608263" y="3824288"/>
-          <p14:tracePt t="33399" x="2590800" y="3824288"/>
-          <p14:tracePt t="33406" x="2582863" y="3832225"/>
-          <p14:tracePt t="33415" x="2557463" y="3849688"/>
-          <p14:tracePt t="33421" x="2532063" y="3867150"/>
-          <p14:tracePt t="33431" x="2489200" y="3892550"/>
-          <p14:tracePt t="33435" x="2413000" y="3925888"/>
-          <p14:tracePt t="33447" x="2336800" y="3968750"/>
-          <p14:tracePt t="33450" x="2225675" y="4011613"/>
-          <p14:tracePt t="33462" x="2116138" y="4062413"/>
-          <p14:tracePt t="33465" x="1997075" y="4113213"/>
-          <p14:tracePt t="33475" x="1878013" y="4164013"/>
-          <p14:tracePt t="33481" x="1776413" y="4214813"/>
-          <p14:tracePt t="33491" x="1673225" y="4257675"/>
-          <p14:tracePt t="33497" x="1597025" y="4291013"/>
-          <p14:tracePt t="33505" x="1503363" y="4325938"/>
-          <p14:tracePt t="33511" x="1401763" y="4368800"/>
-          <p14:tracePt t="33521" x="1317625" y="4402138"/>
-          <p14:tracePt t="33525" x="1223963" y="4435475"/>
-          <p14:tracePt t="33535" x="1147763" y="4486275"/>
-          <p14:tracePt t="33541" x="1054100" y="4513263"/>
-          <p14:tracePt t="33551" x="976313" y="4564063"/>
-          <p14:tracePt t="33557" x="935038" y="4589463"/>
-          <p14:tracePt t="33567" x="892175" y="4614863"/>
-          <p14:tracePt t="33571" x="874713" y="4665663"/>
-          <p14:tracePt t="33581" x="874713" y="4708525"/>
-          <p14:tracePt t="33587" x="874713" y="4749800"/>
-          <p14:tracePt t="33597" x="884238" y="4827588"/>
-          <p14:tracePt t="33607" x="909638" y="4886325"/>
-          <p14:tracePt t="33611" x="950913" y="4979988"/>
-          <p14:tracePt t="33617" x="985838" y="5056188"/>
-          <p14:tracePt t="33627" x="1019175" y="5132388"/>
-          <p14:tracePt t="33637" x="1036638" y="5192713"/>
-          <p14:tracePt t="33641" x="1062038" y="5251450"/>
-          <p14:tracePt t="33653" x="1079500" y="5302250"/>
-          <p14:tracePt t="33658" x="1120775" y="5362575"/>
-          <p14:tracePt t="33667" x="1163638" y="5430838"/>
-          <p14:tracePt t="33673" x="1214438" y="5507038"/>
-          <p14:tracePt t="33683" x="1300163" y="5575300"/>
-          <p14:tracePt t="33687" x="1393825" y="5641975"/>
-          <p14:tracePt t="33697" x="1477963" y="5710238"/>
-          <p14:tracePt t="33703" x="1563688" y="5795963"/>
-          <p14:tracePt t="33713" x="1657350" y="5864225"/>
-          <p14:tracePt t="33717" x="1733550" y="5915025"/>
-          <p14:tracePt t="33727" x="1809750" y="5973763"/>
-          <p14:tracePt t="33733" x="1885950" y="6008688"/>
-          <p14:tracePt t="33743" x="1962150" y="6049963"/>
-          <p14:tracePt t="33747" x="2055813" y="6084888"/>
-          <p14:tracePt t="33757" x="2141538" y="6118225"/>
-          <p14:tracePt t="33764" x="2243138" y="6161088"/>
-          <p14:tracePt t="33773" x="2344738" y="6211888"/>
-          <p14:tracePt t="33777" x="2455863" y="6246813"/>
-          <p14:tracePt t="33787" x="2540000" y="6280150"/>
-          <p14:tracePt t="33793" x="2616200" y="6297613"/>
-          <p14:tracePt t="33803" x="2676525" y="6305550"/>
-          <p14:tracePt t="33809" x="2735263" y="6323013"/>
-          <p14:tracePt t="33819" x="2778125" y="6323013"/>
-          <p14:tracePt t="33823" x="2811463" y="6323013"/>
-          <p14:tracePt t="33833" x="2838450" y="6323013"/>
-          <p14:tracePt t="33839" x="2871788" y="6323013"/>
-          <p14:tracePt t="33849" x="2897188" y="6323013"/>
-          <p14:tracePt t="33853" x="2914650" y="6313488"/>
-          <p14:tracePt t="33864" x="2922588" y="6313488"/>
-          <p14:tracePt t="33869" x="2947988" y="6313488"/>
-          <p14:tracePt t="33881" x="2973388" y="6305550"/>
-          <p14:tracePt t="33885" x="3016250" y="6305550"/>
-          <p14:tracePt t="33897" x="3067050" y="6305550"/>
-          <p14:tracePt t="33899" x="3143250" y="6305550"/>
-          <p14:tracePt t="33909" x="3211513" y="6305550"/>
-          <p14:tracePt t="33915" x="3297238" y="6305550"/>
-          <p14:tracePt t="33925" x="3389313" y="6297613"/>
-          <p14:tracePt t="33930" x="3457575" y="6297613"/>
-          <p14:tracePt t="33940" x="3543300" y="6297613"/>
-          <p14:tracePt t="33947" x="3611563" y="6297613"/>
-          <p14:tracePt t="33956" x="3687763" y="6280150"/>
-          <p14:tracePt t="33965" x="3763963" y="6272213"/>
-          <p14:tracePt t="33969" x="3806825" y="6262688"/>
-          <p14:tracePt t="33981" x="3857625" y="6246813"/>
-          <p14:tracePt t="33986" x="3873500" y="6237288"/>
-          <p14:tracePt t="33998" x="3890963" y="6229350"/>
-          <p14:tracePt t="34001" x="3900488" y="6221413"/>
-          <p14:tracePt t="34010" x="3908425" y="6211888"/>
-          <p14:tracePt t="34015" x="3933825" y="6203950"/>
-          <p14:tracePt t="34026" x="3959225" y="6186488"/>
-          <p14:tracePt t="34032" x="3976688" y="6178550"/>
-          <p14:tracePt t="34041" x="3992563" y="6169025"/>
-          <p14:tracePt t="34047" x="4010025" y="6161088"/>
-          <p14:tracePt t="34056" x="4027488" y="6153150"/>
-          <p14:tracePt t="34061" x="4035425" y="6153150"/>
-          <p14:tracePt t="34076" x="4044950" y="6143625"/>
-          <p14:tracePt t="34086" x="4052888" y="6135688"/>
-          <p14:tracePt t="34102" x="4060825" y="6135688"/>
-          <p14:tracePt t="34105" x="4078288" y="6118225"/>
-          <p14:tracePt t="34117" x="4086225" y="6102350"/>
-          <p14:tracePt t="34121" x="4103688" y="6084888"/>
-          <p14:tracePt t="34132" x="4111625" y="6076950"/>
-          <p14:tracePt t="34138" x="4137025" y="6059488"/>
-          <p14:tracePt t="34148" x="4146550" y="6034088"/>
-          <p14:tracePt t="34152" x="4162425" y="6016625"/>
-          <p14:tracePt t="34161" x="4171950" y="5991225"/>
-          <p14:tracePt t="34168" x="4179888" y="5973763"/>
-          <p14:tracePt t="34187" x="4205288" y="5932488"/>
-          <p14:tracePt t="34191" x="4214813" y="5932488"/>
-          <p14:tracePt t="34198" x="4222750" y="5915025"/>
-          <p14:tracePt t="34208" x="4222750" y="5897563"/>
-          <p14:tracePt t="34211" x="4230688" y="5889625"/>
-          <p14:tracePt t="34223" x="4240213" y="5880100"/>
-          <p14:tracePt t="34228" x="4256088" y="5864225"/>
-          <p14:tracePt t="34238" x="4256088" y="5846763"/>
-          <p14:tracePt t="34252" x="4265613" y="5838825"/>
-          <p14:tracePt t="34258" x="4265613" y="5829300"/>
-          <p14:tracePt t="34278" x="4273550" y="5829300"/>
-          <p14:tracePt t="34303" x="4273550" y="5821363"/>
-          <p14:tracePt t="34314" x="4273550" y="5813425"/>
-          <p14:tracePt t="34323" x="4281488" y="5803900"/>
-          <p14:tracePt t="34328" x="4291013" y="5788025"/>
-          <p14:tracePt t="34338" x="4291013" y="5770563"/>
-          <p14:tracePt t="34343" x="4291013" y="5761038"/>
-          <p14:tracePt t="34353" x="4298950" y="5745163"/>
-          <p14:tracePt t="34358" x="4306888" y="5727700"/>
-          <p14:tracePt t="34369" x="4306888" y="5719763"/>
-          <p14:tracePt t="34373" x="4306888" y="5710238"/>
-          <p14:tracePt t="34383" x="4316413" y="5702300"/>
-          <p14:tracePt t="34430" x="4324350" y="5702300"/>
-          <p14:tracePt t="34434" x="4324350" y="5684838"/>
-          <p14:tracePt t="34443" x="4332288" y="5676900"/>
-          <p14:tracePt t="34449" x="4341813" y="5676900"/>
-          <p14:tracePt t="34462" x="4341813" y="5668963"/>
-          <p14:tracePt t="34476" x="4341813" y="5659438"/>
-          <p14:tracePt t="34481" x="4341813" y="5651500"/>
-          <p14:tracePt t="34491" x="4349750" y="5651500"/>
-          <p14:tracePt t="34568" x="4349750" y="5641975"/>
-          <p14:tracePt t="39463" x="4375150" y="5641975"/>
-          <p14:tracePt t="39470" x="4468813" y="5626100"/>
-          <p14:tracePt t="39481" x="4529138" y="5616575"/>
-          <p14:tracePt t="39483" x="4570413" y="5616575"/>
-          <p14:tracePt t="39493" x="4630738" y="5616575"/>
-          <p14:tracePt t="39499" x="4664075" y="5616575"/>
-          <p14:tracePt t="39510" x="4681538" y="5616575"/>
-          <p14:tracePt t="39514" x="4699000" y="5608638"/>
-          <p14:tracePt t="39520" x="4714875" y="5608638"/>
-          <p14:tracePt t="39532" x="4724400" y="5608638"/>
-          <p14:tracePt t="39534" x="4732338" y="5608638"/>
-          <p14:tracePt t="39546" x="4740275" y="5608638"/>
-          <p14:tracePt t="39560" x="4740275" y="5600700"/>
-          <p14:tracePt t="39564" x="4749800" y="5600700"/>
-          <p14:tracePt t="39576" x="4757738" y="5600700"/>
-          <p14:tracePt t="39581" x="4775200" y="5591175"/>
-          <p14:tracePt t="39590" x="4800600" y="5591175"/>
-          <p14:tracePt t="39596" x="4833938" y="5583238"/>
-          <p14:tracePt t="39606" x="4851400" y="5583238"/>
-          <p14:tracePt t="39609" x="4884738" y="5583238"/>
-          <p14:tracePt t="39620" x="4902200" y="5575300"/>
-          <p14:tracePt t="39632" x="4910138" y="5575300"/>
-          <p14:tracePt t="39636" x="4919663" y="5575300"/>
-          <p14:tracePt t="39665" x="4927600" y="5575300"/>
-          <p14:tracePt t="39752" x="4935538" y="5575300"/>
-          <p14:tracePt t="39756" x="4945063" y="5575300"/>
-          <p14:tracePt t="39765" x="4970463" y="5591175"/>
-          <p14:tracePt t="39776" x="5021263" y="5608638"/>
-          <p14:tracePt t="39782" x="5072063" y="5651500"/>
-          <p14:tracePt t="39786" x="5114925" y="5702300"/>
-          <p14:tracePt t="39796" x="5199063" y="5821363"/>
-          <p14:tracePt t="39806" x="5267325" y="5940425"/>
-          <p14:tracePt t="39812" x="5259388" y="6042025"/>
-          <p14:tracePt t="40472" x="5292725" y="6034088"/>
-          <p14:tracePt t="40482" x="5302250" y="6024563"/>
-          <p14:tracePt t="40487" x="5335588" y="6016625"/>
-          <p14:tracePt t="40498" x="5360988" y="6016625"/>
-          <p14:tracePt t="40503" x="5378450" y="6008688"/>
-          <p14:tracePt t="40512" x="5386388" y="5991225"/>
-          <p14:tracePt t="40518" x="5394325" y="5973763"/>
-          <p14:tracePt t="40528" x="5394325" y="5965825"/>
-          <p14:tracePt t="40532" x="5394325" y="5957888"/>
-          <p14:tracePt t="40542" x="5394325" y="5932488"/>
-          <p14:tracePt t="40549" x="5394325" y="5922963"/>
-          <p14:tracePt t="40558" x="5394325" y="5905500"/>
-          <p14:tracePt t="40561" x="5403850" y="5889625"/>
-          <p14:tracePt t="40572" x="5403850" y="5880100"/>
-          <p14:tracePt t="40578" x="5403850" y="5872163"/>
-          <p14:tracePt t="40588" x="5411788" y="5864225"/>
-          <p14:tracePt t="40604" x="5421313" y="5854700"/>
-          <p14:tracePt t="40608" x="5421313" y="5838825"/>
-          <p14:tracePt t="40654" x="5421313" y="5829300"/>
-          <p14:tracePt t="40678" x="5429250" y="5813425"/>
-          <p14:tracePt t="40683" x="5446713" y="5803900"/>
-          <p14:tracePt t="40694" x="5472113" y="5778500"/>
-          <p14:tracePt t="40698" x="5497513" y="5753100"/>
-          <p14:tracePt t="40708" x="5522913" y="5727700"/>
-          <p14:tracePt t="40715" x="5530850" y="5719763"/>
-          <p14:tracePt t="40723" x="5548313" y="5702300"/>
-          <p14:tracePt t="40732" x="5573713" y="5684838"/>
-          <p14:tracePt t="40740" x="5599113" y="5676900"/>
-          <p14:tracePt t="40743" x="5632450" y="5659438"/>
-          <p14:tracePt t="40754" x="5667375" y="5651500"/>
-          <p14:tracePt t="40760" x="5683250" y="5634038"/>
-          <p14:tracePt t="40770" x="5700713" y="5626100"/>
-          <p14:tracePt t="40773" x="5718175" y="5626100"/>
-          <p14:tracePt t="40783" x="5726113" y="5616575"/>
-          <p14:tracePt t="40790" x="5735638" y="5608638"/>
-          <p14:tracePt t="40810" x="5743575" y="5608638"/>
-          <p14:tracePt t="40856" x="5761038" y="5608638"/>
-          <p14:tracePt t="40860" x="5768975" y="5600700"/>
-          <p14:tracePt t="40870" x="5786438" y="5591175"/>
-          <p14:tracePt t="40876" x="5811838" y="5583238"/>
-          <p14:tracePt t="40886" x="5837238" y="5565775"/>
-          <p14:tracePt t="40890" x="5845175" y="5557838"/>
-          <p14:tracePt t="40902" x="5862638" y="5557838"/>
-          <p14:tracePt t="40906" x="5888038" y="5549900"/>
-          <p14:tracePt t="40916" x="5895975" y="5549900"/>
-          <p14:tracePt t="40920" x="5913438" y="5540375"/>
-          <p14:tracePt t="40932" x="5938838" y="5540375"/>
-          <p14:tracePt t="40936" x="5946775" y="5532438"/>
-          <p14:tracePt t="40946" x="5981700" y="5524500"/>
-          <p14:tracePt t="40952" x="6007100" y="5514975"/>
-          <p14:tracePt t="40962" x="6040438" y="5507038"/>
-          <p14:tracePt t="40965" x="6075363" y="5489575"/>
-          <p14:tracePt t="40976" x="6100763" y="5481638"/>
-          <p14:tracePt t="40983" x="6126163" y="5472113"/>
-          <p14:tracePt t="40992" x="6151563" y="5464175"/>
-          <p14:tracePt t="40996" x="6176963" y="5456238"/>
-          <p14:tracePt t="41006" x="6194425" y="5456238"/>
-          <p14:tracePt t="41012" x="6227763" y="5446713"/>
-          <p14:tracePt t="41022" x="6235700" y="5438775"/>
-          <p14:tracePt t="41028" x="6270625" y="5430838"/>
-          <p14:tracePt t="41036" x="6296025" y="5421313"/>
-          <p14:tracePt t="41042" x="6329363" y="5413375"/>
-          <p14:tracePt t="41052" x="6364288" y="5395913"/>
-          <p14:tracePt t="41056" x="6397625" y="5380038"/>
-          <p14:tracePt t="41066" x="6448425" y="5362575"/>
-          <p14:tracePt t="41071" x="6508750" y="5337175"/>
-          <p14:tracePt t="41082" x="6542088" y="5311775"/>
-          <p14:tracePt t="41088" x="6592888" y="5276850"/>
-          <p14:tracePt t="41099" x="6626225" y="5251450"/>
-          <p14:tracePt t="41102" x="6661150" y="5235575"/>
-          <p14:tracePt t="41112" x="6686550" y="5208588"/>
-          <p14:tracePt t="41119" x="6729413" y="5183188"/>
-          <p14:tracePt t="41128" x="6762750" y="5167313"/>
-          <p14:tracePt t="41132" x="6788150" y="5141913"/>
-          <p14:tracePt t="41142" x="6823075" y="5124450"/>
-          <p14:tracePt t="41152" x="6848475" y="5099050"/>
-          <p14:tracePt t="41158" x="6873875" y="5073650"/>
-          <p14:tracePt t="41181" x="6907213" y="5048250"/>
-          <p14:tracePt t="41185" x="6924675" y="5038725"/>
-          <p14:tracePt t="41188" x="6942138" y="5022850"/>
-          <p14:tracePt t="41199" x="6950075" y="5005388"/>
-          <p14:tracePt t="41204" x="6967538" y="4997450"/>
-          <p14:tracePt t="41215" x="6975475" y="4979988"/>
-          <p14:tracePt t="41218" x="6992938" y="4979988"/>
-          <p14:tracePt t="41228" x="6992938" y="4972050"/>
-          <p14:tracePt t="41233" x="7000875" y="4962525"/>
-          <p14:tracePt t="41244" x="7008813" y="4954588"/>
-          <p14:tracePt t="41248" x="7018338" y="4954588"/>
-          <p14:tracePt t="41260" x="7018338" y="4946650"/>
-          <p14:tracePt t="41265" x="7018338" y="4937125"/>
-          <p14:tracePt t="41274" x="7026275" y="4929188"/>
-          <p14:tracePt t="41278" x="7034213" y="4919663"/>
-          <p14:tracePt t="41290" x="7043738" y="4903788"/>
-          <p14:tracePt t="41293" x="7059613" y="4903788"/>
-          <p14:tracePt t="41304" x="7085013" y="4886325"/>
-          <p14:tracePt t="41310" x="7102475" y="4868863"/>
-          <p14:tracePt t="41320" x="7119938" y="4852988"/>
-          <p14:tracePt t="41323" x="7145338" y="4843463"/>
-          <p14:tracePt t="41334" x="7162800" y="4827588"/>
-          <p14:tracePt t="41340" x="7178675" y="4827588"/>
-          <p14:tracePt t="41349" x="7178675" y="4818063"/>
-          <p14:tracePt t="41354" x="7188200" y="4810125"/>
-          <p14:tracePt t="41366" x="7204075" y="4810125"/>
-          <p14:tracePt t="41370" x="7204075" y="4802188"/>
-          <p14:tracePt t="41382" x="7213600" y="4792663"/>
-          <p14:tracePt t="41384" x="7229475" y="4784725"/>
-          <p14:tracePt t="41394" x="7239000" y="4767263"/>
-          <p14:tracePt t="41400" x="7256463" y="4759325"/>
-          <p14:tracePt t="41410" x="7264400" y="4749800"/>
-          <p14:tracePt t="41416" x="7281863" y="4741863"/>
-          <p14:tracePt t="41426" x="7289800" y="4733925"/>
-          <p14:tracePt t="41432" x="7297738" y="4716463"/>
-          <p14:tracePt t="41440" x="7315200" y="4708525"/>
-          <p14:tracePt t="41446" x="7323138" y="4708525"/>
-          <p14:tracePt t="41456" x="7332663" y="4691063"/>
-          <p14:tracePt t="41460" x="7340600" y="4673600"/>
-          <p14:tracePt t="41470" x="7358063" y="4673600"/>
-          <p14:tracePt t="41476" x="7373938" y="4657725"/>
-          <p14:tracePt t="41486" x="7383463" y="4648200"/>
-          <p14:tracePt t="41496" x="7391400" y="4640263"/>
-          <p14:tracePt t="41502" x="7400925" y="4630738"/>
-          <p14:tracePt t="41512" x="7416800" y="4630738"/>
-          <p14:tracePt t="41576" x="7426325" y="4622800"/>
-          <p14:tracePt t="41586" x="7434263" y="4622800"/>
-          <p14:tracePt t="41602" x="7434263" y="4614863"/>
-          <p14:tracePt t="41615" x="7442200" y="4614863"/>
-          <p14:tracePt t="41632" x="7451725" y="4605338"/>
-          <p14:tracePt t="41652" x="7459663" y="4605338"/>
-          <p14:tracePt t="41668" x="7459663" y="4597400"/>
-          <p14:tracePt t="41678" x="7467600" y="4597400"/>
-          <p14:tracePt t="41722" x="7477125" y="4589463"/>
-          <p14:tracePt t="41742" x="7485063" y="4589463"/>
-          <p14:tracePt t="41758" x="7493000" y="4589463"/>
-          <p14:tracePt t="41768" x="7493000" y="4572000"/>
-          <p14:tracePt t="41773" x="7502525" y="4572000"/>
-          <p14:tracePt t="41797" x="7502525" y="4564063"/>
-          <p14:tracePt t="41803" x="7510463" y="4564063"/>
-          <p14:tracePt t="41860" x="7518400" y="4564063"/>
-          <p14:tracePt t="41934" x="7527925" y="4554538"/>
-          <p14:tracePt t="41946" x="7535863" y="4554538"/>
-          <p14:tracePt t="42072" x="7535863" y="4546600"/>
-          <p14:tracePt t="42434" x="7545388" y="4546600"/>
-          <p14:tracePt t="42454" x="7553325" y="4546600"/>
-          <p14:tracePt t="42465" x="7561263" y="4546600"/>
-          <p14:tracePt t="42481" x="7570788" y="4538663"/>
-          <p14:tracePt t="42486" x="7586663" y="4538663"/>
-          <p14:tracePt t="42496" x="7586663" y="4529138"/>
-          <p14:tracePt t="42501" x="7596188" y="4521200"/>
-          <p14:tracePt t="42516" x="7604125" y="4521200"/>
-          <p14:tracePt t="42540" x="7612063" y="4521200"/>
-          <p14:tracePt t="42546" x="7621588" y="4521200"/>
-          <p14:tracePt t="42556" x="7629525" y="4513263"/>
-          <p14:tracePt t="42559" x="7654925" y="4503738"/>
-          <p14:tracePt t="42572" x="7680325" y="4503738"/>
-          <p14:tracePt t="42576" x="7697788" y="4503738"/>
-          <p14:tracePt t="42586" x="7723188" y="4503738"/>
-          <p14:tracePt t="42592" x="7748588" y="4495800"/>
-          <p14:tracePt t="42602" x="7781925" y="4495800"/>
-          <p14:tracePt t="42612" x="7807325" y="4486275"/>
-          <p14:tracePt t="42615" x="7842250" y="4486275"/>
-          <p14:tracePt t="42621" x="7885113" y="4486275"/>
-          <p14:tracePt t="42632" x="7961313" y="4486275"/>
-          <p14:tracePt t="42640" x="8012113" y="4486275"/>
-          <p14:tracePt t="42646" x="8113713" y="4486275"/>
-          <p14:tracePt t="42656" x="8199438" y="4503738"/>
-          <p14:tracePt t="42662" x="8291513" y="4513263"/>
-          <p14:tracePt t="42672" x="8359775" y="4521200"/>
-          <p14:tracePt t="42676" x="8420100" y="4521200"/>
-          <p14:tracePt t="42686" x="8453438" y="4529138"/>
-          <p14:tracePt t="42692" x="8478838" y="4538663"/>
-          <p14:tracePt t="42702" x="8496300" y="4538663"/>
-          <p14:tracePt t="42706" x="8513763" y="4546600"/>
-          <p14:tracePt t="42716" x="8521700" y="4546600"/>
-          <p14:tracePt t="42721" x="8529638" y="4554538"/>
-          <p14:tracePt t="42733" x="8555038" y="4564063"/>
-          <p14:tracePt t="42736" x="8580438" y="4564063"/>
-          <p14:tracePt t="42746" x="8597900" y="4572000"/>
-          <p14:tracePt t="42752" x="8623300" y="4572000"/>
-          <p14:tracePt t="42762" x="8640763" y="4572000"/>
-          <p14:tracePt t="42768" x="8648700" y="4572000"/>
-          <p14:tracePt t="42776" x="8674100" y="4572000"/>
-          <p14:tracePt t="42783" x="8716963" y="4579938"/>
-          <p14:tracePt t="42792" x="8767763" y="4605338"/>
-          <p14:tracePt t="42802" x="8853488" y="4622800"/>
-          <p14:tracePt t="42808" x="8955088" y="4648200"/>
-          <p14:tracePt t="42811" x="9056688" y="4657725"/>
-          <p14:tracePt t="42822" x="9158288" y="4683125"/>
-          <p14:tracePt t="42832" x="9269413" y="4691063"/>
-          <p14:tracePt t="42837" x="9353550" y="4691063"/>
-          <p14:tracePt t="42848" x="9456738" y="4708525"/>
-          <p14:tracePt t="42852" x="9558338" y="4716463"/>
-          <p14:tracePt t="42862" x="9667875" y="4724400"/>
-          <p14:tracePt t="42870" x="9786938" y="4724400"/>
-          <p14:tracePt t="42878" x="9898063" y="4724400"/>
-          <p14:tracePt t="42882" x="10009188" y="4741863"/>
-          <p14:tracePt t="42892" x="10093325" y="4741863"/>
-          <p14:tracePt t="42899" x="10179050" y="4741863"/>
-          <p14:tracePt t="42908" x="10255250" y="4749800"/>
-          <p14:tracePt t="42916" x="10323513" y="4749800"/>
-          <p14:tracePt t="42924" x="10382250" y="4749800"/>
-          <p14:tracePt t="42928" x="10442575" y="4749800"/>
-          <p14:tracePt t="42938" x="10501313" y="4749800"/>
-          <p14:tracePt t="42943" x="10569575" y="4749800"/>
-          <p14:tracePt t="42954" x="10628313" y="4733925"/>
-          <p14:tracePt t="42957" x="10704513" y="4716463"/>
-          <p14:tracePt t="42968" x="10782300" y="4691063"/>
-          <p14:tracePt t="42973" x="10841038" y="4673600"/>
-          <p14:tracePt t="42984" x="10917238" y="4640263"/>
-          <p14:tracePt t="42990" x="10968038" y="4622800"/>
-          <p14:tracePt t="43000" x="11028363" y="4589463"/>
-          <p14:tracePt t="43004" x="11079163" y="4572000"/>
-          <p14:tracePt t="43015" x="11137900" y="4538663"/>
-          <p14:tracePt t="43020" x="11206163" y="4495800"/>
-          <p14:tracePt t="43032" x="11282363" y="4452938"/>
-          <p14:tracePt t="43034" x="11342688" y="4410075"/>
-          <p14:tracePt t="43044" x="11393488" y="4368800"/>
-          <p14:tracePt t="43049" x="11436350" y="4333875"/>
-          <p14:tracePt t="43060" x="11461750" y="4291013"/>
-          <p14:tracePt t="43066" x="11495088" y="4249738"/>
-          <p14:tracePt t="43074" x="11512550" y="4197350"/>
-          <p14:tracePt t="43082" x="11520488" y="4146550"/>
-          <p14:tracePt t="43090" x="11520488" y="4121150"/>
-          <p14:tracePt t="43093" x="11520488" y="4052888"/>
-          <p14:tracePt t="43103" x="11520488" y="3994150"/>
-          <p14:tracePt t="43110" x="11495088" y="3917950"/>
-          <p14:tracePt t="43120" x="11452225" y="3832225"/>
-          <p14:tracePt t="43123" x="11418888" y="3763963"/>
-          <p14:tracePt t="43132" x="11385550" y="3687763"/>
-          <p14:tracePt t="43140" x="11317288" y="3611563"/>
-          <p14:tracePt t="43146" x="11266488" y="3535363"/>
-          <p14:tracePt t="43156" x="11223625" y="3492500"/>
-          <p14:tracePt t="43160" x="11206163" y="3459163"/>
-          <p14:tracePt t="43166" x="11198225" y="3459163"/>
-          <p14:tracePt t="43176" x="11198225" y="3441700"/>
-          <p14:tracePt t="43183" x="11188700" y="3433763"/>
-          <p14:tracePt t="43190" x="11180763" y="3424238"/>
-          <p14:tracePt t="43196" x="11147425" y="3408363"/>
-          <p14:tracePt t="43206" x="11112500" y="3382963"/>
-          <p14:tracePt t="43210" x="11061700" y="3355975"/>
-          <p14:tracePt t="43220" x="11002963" y="3330575"/>
-          <p14:tracePt t="43226" x="10926763" y="3305175"/>
-          <p14:tracePt t="43236" x="10841038" y="3279775"/>
-          <p14:tracePt t="43242" x="10721975" y="3263900"/>
-          <p14:tracePt t="43252" x="10612438" y="3246438"/>
-          <p14:tracePt t="43256" x="10493375" y="3246438"/>
-          <p14:tracePt t="43266" x="10382250" y="3238500"/>
-          <p14:tracePt t="43272" x="10280650" y="3238500"/>
-          <p14:tracePt t="43283" x="10186988" y="3238500"/>
-          <p14:tracePt t="43286" x="10067925" y="3238500"/>
-          <p14:tracePt t="43296" x="9974263" y="3238500"/>
-          <p14:tracePt t="43302" x="9855200" y="3238500"/>
-          <p14:tracePt t="43312" x="9728200" y="3238500"/>
-          <p14:tracePt t="43322" x="9617075" y="3263900"/>
-          <p14:tracePt t="43326" x="9515475" y="3271838"/>
-          <p14:tracePt t="43333" x="9405938" y="3289300"/>
-          <p14:tracePt t="43342" x="9302750" y="3297238"/>
-          <p14:tracePt t="43354" x="9226550" y="3322638"/>
-          <p14:tracePt t="43356" x="9167813" y="3330575"/>
-          <p14:tracePt t="43365" x="9107488" y="3348038"/>
-          <p14:tracePt t="43371" x="9056688" y="3355975"/>
-          <p14:tracePt t="43382" x="9023350" y="3373438"/>
-          <p14:tracePt t="43388" x="8988425" y="3390900"/>
-          <p14:tracePt t="43399" x="8955088" y="3424238"/>
-          <p14:tracePt t="43402" x="8912225" y="3449638"/>
-          <p14:tracePt t="43412" x="8878888" y="3484563"/>
-          <p14:tracePt t="43421" x="8836025" y="3527425"/>
-          <p14:tracePt t="43428" x="8818563" y="3552825"/>
-          <p14:tracePt t="43432" x="8785225" y="3586163"/>
-          <p14:tracePt t="43442" x="8777288" y="3619500"/>
-          <p14:tracePt t="43449" x="8767763" y="3646488"/>
-          <p14:tracePt t="43458" x="8767763" y="3679825"/>
-          <p14:tracePt t="43465" x="8767763" y="3697288"/>
-          <p14:tracePt t="43473" x="8767763" y="3722688"/>
-          <p14:tracePt t="43478" x="8767763" y="3756025"/>
-          <p14:tracePt t="43488" x="8767763" y="3781425"/>
-          <p14:tracePt t="43493" x="8767763" y="3816350"/>
-          <p14:tracePt t="43504" x="8767763" y="3849688"/>
-          <p14:tracePt t="43508" x="8767763" y="3875088"/>
-          <p14:tracePt t="43518" x="8777288" y="3900488"/>
-          <p14:tracePt t="43523" x="8785225" y="3925888"/>
-          <p14:tracePt t="43533" x="8793163" y="3951288"/>
-          <p14:tracePt t="43537" x="8810625" y="3968750"/>
-          <p14:tracePt t="43549" x="8818563" y="3976688"/>
-          <p14:tracePt t="43554" x="8836025" y="4002088"/>
-          <p14:tracePt t="43565" x="8853488" y="4027488"/>
-          <p14:tracePt t="43570" x="8894763" y="4052888"/>
-          <p14:tracePt t="43578" x="8947150" y="4105275"/>
-          <p14:tracePt t="43583" x="9013825" y="4146550"/>
-          <p14:tracePt t="43594" x="9074150" y="4189413"/>
-          <p14:tracePt t="43598" x="9124950" y="4232275"/>
-          <p14:tracePt t="43610" x="9183688" y="4265613"/>
-          <p14:tracePt t="43615" x="9236075" y="4291013"/>
-          <p14:tracePt t="43624" x="9294813" y="4316413"/>
-          <p14:tracePt t="43632" x="9345613" y="4333875"/>
-          <p14:tracePt t="43640" x="9380538" y="4351338"/>
-          <p14:tracePt t="43650" x="9413875" y="4359275"/>
-          <p14:tracePt t="43653" x="9447213" y="4368800"/>
-          <p14:tracePt t="43660" x="9482138" y="4376738"/>
-          <p14:tracePt t="43670" x="9523413" y="4376738"/>
-          <p14:tracePt t="43683" x="9591675" y="4384675"/>
-          <p14:tracePt t="43694" x="9609138" y="4384675"/>
-          <p14:tracePt t="43701" x="9626600" y="4384675"/>
-          <p14:tracePt t="43710" x="9634538" y="4384675"/>
-          <p14:tracePt t="43926" x="9626600" y="4384675"/>
-          <p14:tracePt t="43936" x="9609138" y="4384675"/>
-          <p14:tracePt t="43941" x="9591675" y="4384675"/>
-          <p14:tracePt t="43952" x="9583738" y="4384675"/>
-          <p14:tracePt t="43958" x="9575800" y="4384675"/>
-          <p14:tracePt t="43968" x="9566275" y="4384675"/>
-          <p14:tracePt t="43982" x="9558338" y="4384675"/>
-          <p14:tracePt t="44008" x="9550400" y="4384675"/>
-          <p14:tracePt t="44011" x="9540875" y="4384675"/>
-          <p14:tracePt t="44628" x="9515475" y="4384675"/>
-          <p14:tracePt t="44638" x="9482138" y="4384675"/>
-          <p14:tracePt t="44643" x="9456738" y="4384675"/>
-          <p14:tracePt t="44654" x="9413875" y="4384675"/>
-          <p14:tracePt t="44658" x="9371013" y="4384675"/>
-          <p14:tracePt t="44668" x="9345613" y="4384675"/>
-          <p14:tracePt t="44678" x="9320213" y="4394200"/>
-          <p14:tracePt t="44684" x="9302750" y="4402138"/>
-          <p14:tracePt t="44694" x="9286875" y="4402138"/>
-          <p14:tracePt t="44698" x="9269413" y="4410075"/>
-          <p14:tracePt t="44708" x="9251950" y="4410075"/>
-          <p14:tracePt t="44715" x="9244013" y="4419600"/>
-          <p14:tracePt t="44723" x="9226550" y="4419600"/>
-          <p14:tracePt t="44732" x="9201150" y="4427538"/>
-          <p14:tracePt t="44740" x="9167813" y="4435475"/>
-          <p14:tracePt t="44743" x="9132888" y="4452938"/>
-          <p14:tracePt t="44754" x="9091613" y="4460875"/>
-          <p14:tracePt t="44760" x="9031288" y="4478338"/>
-          <p14:tracePt t="44770" x="8980488" y="4486275"/>
-          <p14:tracePt t="44773" x="8937625" y="4495800"/>
-          <p14:tracePt t="44784" x="8904288" y="4503738"/>
-          <p14:tracePt t="44790" x="8878888" y="4503738"/>
-          <p14:tracePt t="44800" x="8861425" y="4503738"/>
-          <p14:tracePt t="44803" x="8836025" y="4513263"/>
-          <p14:tracePt t="44816" x="8810625" y="4513263"/>
-          <p14:tracePt t="44820" x="8793163" y="4513263"/>
-          <p14:tracePt t="44832" x="8759825" y="4513263"/>
-          <p14:tracePt t="44836" x="8734425" y="4513263"/>
-          <p14:tracePt t="44846" x="8716963" y="4521200"/>
-          <p14:tracePt t="44850" x="8691563" y="4521200"/>
-          <p14:tracePt t="44860" x="8666163" y="4521200"/>
-          <p14:tracePt t="44865" x="8658225" y="4521200"/>
-          <p14:tracePt t="44876" x="8640763" y="4521200"/>
-          <p14:tracePt t="44882" x="8632825" y="4521200"/>
-          <p14:tracePt t="44952" x="8623300" y="4521200"/>
-          <p14:tracePt t="44956" x="8615363" y="4521200"/>
-          <p14:tracePt t="44988" x="8605838" y="4521200"/>
-        </p14:tracePtLst>
-      </p14:laserTraceLst>
-    </p:ext>
-  </p:extLst>
 </p:sld>
 </file>
 
